--- a/Coding_Team.pptx
+++ b/Coding_Team.pptx
@@ -5,7 +5,7 @@
     <p:sldMasterId id="2147483659" r:id="rId1"/>
   </p:sldMasterIdLst>
   <p:notesMasterIdLst>
-    <p:notesMasterId r:id="rId14"/>
+    <p:notesMasterId r:id="rId18"/>
   </p:notesMasterIdLst>
   <p:sldIdLst>
     <p:sldId id="256" r:id="rId2"/>
@@ -16,34 +16,38 @@
     <p:sldId id="269" r:id="rId7"/>
     <p:sldId id="261" r:id="rId8"/>
     <p:sldId id="270" r:id="rId9"/>
-    <p:sldId id="266" r:id="rId10"/>
-    <p:sldId id="260" r:id="rId11"/>
-    <p:sldId id="264" r:id="rId12"/>
-    <p:sldId id="267" r:id="rId13"/>
+    <p:sldId id="271" r:id="rId10"/>
+    <p:sldId id="272" r:id="rId11"/>
+    <p:sldId id="274" r:id="rId12"/>
+    <p:sldId id="266" r:id="rId13"/>
+    <p:sldId id="260" r:id="rId14"/>
+    <p:sldId id="264" r:id="rId15"/>
+    <p:sldId id="275" r:id="rId16"/>
+    <p:sldId id="267" r:id="rId17"/>
   </p:sldIdLst>
   <p:sldSz cx="9144000" cy="5143500" type="screen16x9"/>
   <p:notesSz cx="6858000" cy="9144000"/>
   <p:embeddedFontLst>
     <p:embeddedFont>
       <p:font typeface="Lato" panose="020B0604020202020204" charset="0"/>
-      <p:regular r:id="rId15"/>
-      <p:bold r:id="rId16"/>
-      <p:italic r:id="rId17"/>
-      <p:boldItalic r:id="rId18"/>
-    </p:embeddedFont>
-    <p:embeddedFont>
-      <p:font typeface="Raleway" panose="020B0604020202020204" charset="0"/>
       <p:regular r:id="rId19"/>
       <p:bold r:id="rId20"/>
       <p:italic r:id="rId21"/>
       <p:boldItalic r:id="rId22"/>
     </p:embeddedFont>
     <p:embeddedFont>
-      <p:font typeface="Roboto" panose="020B0604020202020204" charset="0"/>
+      <p:font typeface="Raleway" panose="020B0604020202020204" charset="0"/>
       <p:regular r:id="rId23"/>
       <p:bold r:id="rId24"/>
       <p:italic r:id="rId25"/>
       <p:boldItalic r:id="rId26"/>
+    </p:embeddedFont>
+    <p:embeddedFont>
+      <p:font typeface="Roboto" panose="020B0604020202020204" charset="0"/>
+      <p:regular r:id="rId27"/>
+      <p:bold r:id="rId28"/>
+      <p:italic r:id="rId29"/>
+      <p:boldItalic r:id="rId30"/>
     </p:embeddedFont>
   </p:embeddedFontLst>
   <p:defaultTextStyle>
@@ -8258,6 +8262,350 @@
   <p:cSld>
     <p:spTree>
       <p:nvGrpSpPr>
+        <p:cNvPr id="1" name=""/>
+        <p:cNvGrpSpPr/>
+        <p:nvPr/>
+      </p:nvGrpSpPr>
+      <p:grpSpPr>
+        <a:xfrm>
+          <a:off x="0" y="0"/>
+          <a:ext cx="0" cy="0"/>
+          <a:chOff x="0" y="0"/>
+          <a:chExt cx="0" cy="0"/>
+        </a:xfrm>
+      </p:grpSpPr>
+      <p:sp>
+        <p:nvSpPr>
+          <p:cNvPr id="2" name="Title 1">
+            <a:extLst>
+              <a:ext uri="{FF2B5EF4-FFF2-40B4-BE49-F238E27FC236}">
+                <a16:creationId xmlns:a16="http://schemas.microsoft.com/office/drawing/2014/main" id="{AB01ECA7-B3D5-477E-9B32-22BF4BB2DAC8}"/>
+              </a:ext>
+            </a:extLst>
+          </p:cNvPr>
+          <p:cNvSpPr>
+            <a:spLocks noGrp="1"/>
+          </p:cNvSpPr>
+          <p:nvPr>
+            <p:ph type="title"/>
+          </p:nvPr>
+        </p:nvSpPr>
+        <p:spPr>
+          <a:xfrm>
+            <a:off x="727651" y="546555"/>
+            <a:ext cx="7688700" cy="535200"/>
+          </a:xfrm>
+        </p:spPr>
+        <p:txBody>
+          <a:bodyPr>
+            <a:normAutofit fontScale="90000"/>
+          </a:bodyPr>
+          <a:lstStyle/>
+          <a:p>
+            <a:r>
+              <a:rPr lang="en-IN" dirty="0"/>
+              <a:t>Registration and Login Page</a:t>
+            </a:r>
+          </a:p>
+        </p:txBody>
+      </p:sp>
+      <p:pic>
+        <p:nvPicPr>
+          <p:cNvPr id="5" name="Picture 4">
+            <a:extLst>
+              <a:ext uri="{FF2B5EF4-FFF2-40B4-BE49-F238E27FC236}">
+                <a16:creationId xmlns:a16="http://schemas.microsoft.com/office/drawing/2014/main" id="{A55E1D0E-7191-4357-AE76-074ABE922696}"/>
+              </a:ext>
+            </a:extLst>
+          </p:cNvPr>
+          <p:cNvPicPr>
+            <a:picLocks noChangeAspect="1"/>
+          </p:cNvPicPr>
+          <p:nvPr/>
+        </p:nvPicPr>
+        <p:blipFill rotWithShape="1">
+          <a:blip r:embed="rId2"/>
+          <a:srcRect t="8062" b="4702"/>
+          <a:stretch/>
+        </p:blipFill>
+        <p:spPr>
+          <a:xfrm>
+            <a:off x="4572000" y="1081755"/>
+            <a:ext cx="3882031" cy="3438515"/>
+          </a:xfrm>
+          <a:prstGeom prst="rect">
+            <a:avLst/>
+          </a:prstGeom>
+        </p:spPr>
+      </p:pic>
+      <p:pic>
+        <p:nvPicPr>
+          <p:cNvPr id="4" name="Picture 3">
+            <a:extLst>
+              <a:ext uri="{FF2B5EF4-FFF2-40B4-BE49-F238E27FC236}">
+                <a16:creationId xmlns:a16="http://schemas.microsoft.com/office/drawing/2014/main" id="{6AE9DCC8-C285-40D6-BBF6-E979734A4493}"/>
+              </a:ext>
+            </a:extLst>
+          </p:cNvPr>
+          <p:cNvPicPr>
+            <a:picLocks noChangeAspect="1"/>
+          </p:cNvPicPr>
+          <p:nvPr/>
+        </p:nvPicPr>
+        <p:blipFill>
+          <a:blip r:embed="rId3"/>
+          <a:stretch>
+            <a:fillRect/>
+          </a:stretch>
+        </p:blipFill>
+        <p:spPr>
+          <a:xfrm>
+            <a:off x="233916" y="1081755"/>
+            <a:ext cx="4338084" cy="3438515"/>
+          </a:xfrm>
+          <a:prstGeom prst="rect">
+            <a:avLst/>
+          </a:prstGeom>
+        </p:spPr>
+      </p:pic>
+    </p:spTree>
+    <p:extLst>
+      <p:ext uri="{BB962C8B-B14F-4D97-AF65-F5344CB8AC3E}">
+        <p14:creationId xmlns:p14="http://schemas.microsoft.com/office/powerpoint/2010/main" val="2359133022"/>
+      </p:ext>
+    </p:extLst>
+  </p:cSld>
+  <p:clrMapOvr>
+    <a:masterClrMapping/>
+  </p:clrMapOvr>
+</p:sld>
+</file>
+
+<file path=ppt/slides/slide11.xml><?xml version="1.0" encoding="utf-8"?>
+<p:sld xmlns:a="http://schemas.openxmlformats.org/drawingml/2006/main" xmlns:r="http://schemas.openxmlformats.org/officeDocument/2006/relationships" xmlns:p="http://schemas.openxmlformats.org/presentationml/2006/main">
+  <p:cSld>
+    <p:spTree>
+      <p:nvGrpSpPr>
+        <p:cNvPr id="1" name=""/>
+        <p:cNvGrpSpPr/>
+        <p:nvPr/>
+      </p:nvGrpSpPr>
+      <p:grpSpPr>
+        <a:xfrm>
+          <a:off x="0" y="0"/>
+          <a:ext cx="0" cy="0"/>
+          <a:chOff x="0" y="0"/>
+          <a:chExt cx="0" cy="0"/>
+        </a:xfrm>
+      </p:grpSpPr>
+      <p:sp>
+        <p:nvSpPr>
+          <p:cNvPr id="2" name="Title 1">
+            <a:extLst>
+              <a:ext uri="{FF2B5EF4-FFF2-40B4-BE49-F238E27FC236}">
+                <a16:creationId xmlns:a16="http://schemas.microsoft.com/office/drawing/2014/main" id="{C599C42D-FD96-4C80-A1E0-B7855236A5A7}"/>
+              </a:ext>
+            </a:extLst>
+          </p:cNvPr>
+          <p:cNvSpPr>
+            <a:spLocks noGrp="1"/>
+          </p:cNvSpPr>
+          <p:nvPr>
+            <p:ph type="title"/>
+          </p:nvPr>
+        </p:nvSpPr>
+        <p:spPr>
+          <a:xfrm>
+            <a:off x="727650" y="535925"/>
+            <a:ext cx="7688700" cy="535200"/>
+          </a:xfrm>
+        </p:spPr>
+        <p:txBody>
+          <a:bodyPr>
+            <a:normAutofit fontScale="90000"/>
+          </a:bodyPr>
+          <a:lstStyle/>
+          <a:p>
+            <a:r>
+              <a:rPr lang="en-IN" dirty="0"/>
+              <a:t>Chat Bot</a:t>
+            </a:r>
+          </a:p>
+        </p:txBody>
+      </p:sp>
+      <p:pic>
+        <p:nvPicPr>
+          <p:cNvPr id="5" name="Picture 4">
+            <a:extLst>
+              <a:ext uri="{FF2B5EF4-FFF2-40B4-BE49-F238E27FC236}">
+                <a16:creationId xmlns:a16="http://schemas.microsoft.com/office/drawing/2014/main" id="{A9309B58-7495-460C-9F98-267E87D8FE78}"/>
+              </a:ext>
+            </a:extLst>
+          </p:cNvPr>
+          <p:cNvPicPr>
+            <a:picLocks noChangeAspect="1"/>
+          </p:cNvPicPr>
+          <p:nvPr/>
+        </p:nvPicPr>
+        <p:blipFill rotWithShape="1">
+          <a:blip r:embed="rId2"/>
+          <a:srcRect l="58207" t="37416"/>
+          <a:stretch/>
+        </p:blipFill>
+        <p:spPr>
+          <a:xfrm>
+            <a:off x="3489097" y="1388568"/>
+            <a:ext cx="2165805" cy="3219007"/>
+          </a:xfrm>
+          <a:prstGeom prst="rect">
+            <a:avLst/>
+          </a:prstGeom>
+        </p:spPr>
+      </p:pic>
+    </p:spTree>
+    <p:extLst>
+      <p:ext uri="{BB962C8B-B14F-4D97-AF65-F5344CB8AC3E}">
+        <p14:creationId xmlns:p14="http://schemas.microsoft.com/office/powerpoint/2010/main" val="3742265187"/>
+      </p:ext>
+    </p:extLst>
+  </p:cSld>
+  <p:clrMapOvr>
+    <a:masterClrMapping/>
+  </p:clrMapOvr>
+</p:sld>
+</file>
+
+<file path=ppt/slides/slide12.xml><?xml version="1.0" encoding="utf-8"?>
+<p:sld xmlns:a="http://schemas.openxmlformats.org/drawingml/2006/main" xmlns:r="http://schemas.openxmlformats.org/officeDocument/2006/relationships" xmlns:p="http://schemas.openxmlformats.org/presentationml/2006/main">
+  <p:cSld>
+    <p:spTree>
+      <p:nvGrpSpPr>
+        <p:cNvPr id="1" name="Shape 145"/>
+        <p:cNvGrpSpPr/>
+        <p:nvPr/>
+      </p:nvGrpSpPr>
+      <p:grpSpPr>
+        <a:xfrm>
+          <a:off x="0" y="0"/>
+          <a:ext cx="0" cy="0"/>
+          <a:chOff x="0" y="0"/>
+          <a:chExt cx="0" cy="0"/>
+        </a:xfrm>
+      </p:grpSpPr>
+      <p:sp>
+        <p:nvSpPr>
+          <p:cNvPr id="146" name="Google Shape;146;p23"/>
+          <p:cNvSpPr txBox="1">
+            <a:spLocks noGrp="1"/>
+          </p:cNvSpPr>
+          <p:nvPr>
+            <p:ph type="title"/>
+          </p:nvPr>
+        </p:nvSpPr>
+        <p:spPr>
+          <a:xfrm>
+            <a:off x="729450" y="535925"/>
+            <a:ext cx="7688700" cy="535200"/>
+          </a:xfrm>
+          <a:prstGeom prst="rect">
+            <a:avLst/>
+          </a:prstGeom>
+        </p:spPr>
+        <p:txBody>
+          <a:bodyPr spcFirstLastPara="1" wrap="square" lIns="91425" tIns="91425" rIns="91425" bIns="91425" anchor="t" anchorCtr="0">
+            <a:normAutofit fontScale="90000"/>
+          </a:bodyPr>
+          <a:lstStyle/>
+          <a:p>
+            <a:pPr marL="0" lvl="0" indent="0" algn="l" rtl="0">
+              <a:spcBef>
+                <a:spcPts val="0"/>
+              </a:spcBef>
+              <a:spcAft>
+                <a:spcPts val="0"/>
+              </a:spcAft>
+              <a:buNone/>
+            </a:pPr>
+            <a:r>
+              <a:rPr lang="en-GB" dirty="0"/>
+              <a:t>Unique Selling Point, vision  </a:t>
+            </a:r>
+            <a:endParaRPr dirty="0"/>
+          </a:p>
+        </p:txBody>
+      </p:sp>
+      <p:sp>
+        <p:nvSpPr>
+          <p:cNvPr id="147" name="Google Shape;147;p23"/>
+          <p:cNvSpPr txBox="1">
+            <a:spLocks noGrp="1"/>
+          </p:cNvSpPr>
+          <p:nvPr>
+            <p:ph type="body" idx="1"/>
+          </p:nvPr>
+        </p:nvSpPr>
+        <p:spPr>
+          <a:xfrm>
+            <a:off x="729450" y="1441200"/>
+            <a:ext cx="7688700" cy="2261100"/>
+          </a:xfrm>
+          <a:prstGeom prst="rect">
+            <a:avLst/>
+          </a:prstGeom>
+        </p:spPr>
+        <p:txBody>
+          <a:bodyPr spcFirstLastPara="1" wrap="square" lIns="91425" tIns="91425" rIns="91425" bIns="91425" anchor="t" anchorCtr="0">
+            <a:normAutofit/>
+          </a:bodyPr>
+          <a:lstStyle/>
+          <a:p>
+            <a:pPr marL="285750" indent="-285750"/>
+            <a:r>
+              <a:rPr lang="en-GB" sz="1800" dirty="0"/>
+              <a:t>Made in India.</a:t>
+            </a:r>
+          </a:p>
+          <a:p>
+            <a:pPr marL="285750" indent="-285750"/>
+            <a:r>
+              <a:rPr lang="en-GB" sz="1800" dirty="0"/>
+              <a:t>Chat system between reader and seller as per their requirement.</a:t>
+            </a:r>
+          </a:p>
+          <a:p>
+            <a:pPr marL="285750" indent="-285750"/>
+            <a:r>
+              <a:rPr lang="en-GB" sz="1800" dirty="0"/>
+              <a:t>Inter-students hubs to deliver books not only from students but also creating chain between colleges and college students  to save time in searching and filtering recommendations.</a:t>
+            </a:r>
+            <a:endParaRPr sz="1800" dirty="0"/>
+          </a:p>
+          <a:p>
+            <a:pPr marL="285750" indent="-285750">
+              <a:spcBef>
+                <a:spcPts val="1200"/>
+              </a:spcBef>
+              <a:spcAft>
+                <a:spcPts val="1200"/>
+              </a:spcAft>
+            </a:pPr>
+            <a:endParaRPr sz="1800" dirty="0"/>
+          </a:p>
+        </p:txBody>
+      </p:sp>
+    </p:spTree>
+  </p:cSld>
+  <p:clrMapOvr>
+    <a:masterClrMapping/>
+  </p:clrMapOvr>
+</p:sld>
+</file>
+
+<file path=ppt/slides/slide13.xml><?xml version="1.0" encoding="utf-8"?>
+<p:sld xmlns:a="http://schemas.openxmlformats.org/drawingml/2006/main" xmlns:r="http://schemas.openxmlformats.org/officeDocument/2006/relationships" xmlns:p="http://schemas.openxmlformats.org/presentationml/2006/main">
+  <p:cSld>
+    <p:spTree>
+      <p:nvGrpSpPr>
         <p:cNvPr id="1" name="Shape 109"/>
         <p:cNvGrpSpPr/>
         <p:nvPr/>
@@ -8727,7 +9075,7 @@
 </p:sld>
 </file>
 
-<file path=ppt/slides/slide11.xml><?xml version="1.0" encoding="utf-8"?>
+<file path=ppt/slides/slide14.xml><?xml version="1.0" encoding="utf-8"?>
 <p:sld xmlns:a="http://schemas.openxmlformats.org/drawingml/2006/main" xmlns:r="http://schemas.openxmlformats.org/officeDocument/2006/relationships" xmlns:p="http://schemas.openxmlformats.org/presentationml/2006/main">
   <p:cSld>
     <p:spTree>
@@ -8894,7 +9242,120 @@
 </p:sld>
 </file>
 
-<file path=ppt/slides/slide12.xml><?xml version="1.0" encoding="utf-8"?>
+<file path=ppt/slides/slide15.xml><?xml version="1.0" encoding="utf-8"?>
+<p:sld xmlns:a="http://schemas.openxmlformats.org/drawingml/2006/main" xmlns:r="http://schemas.openxmlformats.org/officeDocument/2006/relationships" xmlns:p="http://schemas.openxmlformats.org/presentationml/2006/main">
+  <p:cSld>
+    <p:spTree>
+      <p:nvGrpSpPr>
+        <p:cNvPr id="1" name=""/>
+        <p:cNvGrpSpPr/>
+        <p:nvPr/>
+      </p:nvGrpSpPr>
+      <p:grpSpPr>
+        <a:xfrm>
+          <a:off x="0" y="0"/>
+          <a:ext cx="0" cy="0"/>
+          <a:chOff x="0" y="0"/>
+          <a:chExt cx="0" cy="0"/>
+        </a:xfrm>
+      </p:grpSpPr>
+      <p:sp>
+        <p:nvSpPr>
+          <p:cNvPr id="2" name="Title 1">
+            <a:extLst>
+              <a:ext uri="{FF2B5EF4-FFF2-40B4-BE49-F238E27FC236}">
+                <a16:creationId xmlns:a16="http://schemas.microsoft.com/office/drawing/2014/main" id="{86192EC6-F9AC-4A61-B283-0AC6CB3FE0B8}"/>
+              </a:ext>
+            </a:extLst>
+          </p:cNvPr>
+          <p:cNvSpPr>
+            <a:spLocks noGrp="1"/>
+          </p:cNvSpPr>
+          <p:nvPr>
+            <p:ph type="title"/>
+          </p:nvPr>
+        </p:nvSpPr>
+        <p:spPr>
+          <a:xfrm>
+            <a:off x="727650" y="535925"/>
+            <a:ext cx="7688700" cy="535200"/>
+          </a:xfrm>
+        </p:spPr>
+        <p:txBody>
+          <a:bodyPr>
+            <a:normAutofit fontScale="90000"/>
+          </a:bodyPr>
+          <a:lstStyle/>
+          <a:p>
+            <a:r>
+              <a:rPr lang="en-US" dirty="0"/>
+              <a:t>Links</a:t>
+            </a:r>
+            <a:endParaRPr lang="en-IN" dirty="0"/>
+          </a:p>
+        </p:txBody>
+      </p:sp>
+      <p:sp>
+        <p:nvSpPr>
+          <p:cNvPr id="5" name="TextBox 4">
+            <a:extLst>
+              <a:ext uri="{FF2B5EF4-FFF2-40B4-BE49-F238E27FC236}">
+                <a16:creationId xmlns:a16="http://schemas.microsoft.com/office/drawing/2014/main" id="{11CA0A48-739E-4099-B928-1CD4EB4F7E70}"/>
+              </a:ext>
+            </a:extLst>
+          </p:cNvPr>
+          <p:cNvSpPr txBox="1"/>
+          <p:nvPr/>
+        </p:nvSpPr>
+        <p:spPr>
+          <a:xfrm>
+            <a:off x="727650" y="1626781"/>
+            <a:ext cx="6715141" cy="400110"/>
+          </a:xfrm>
+          <a:prstGeom prst="rect">
+            <a:avLst/>
+          </a:prstGeom>
+          <a:noFill/>
+        </p:spPr>
+        <p:txBody>
+          <a:bodyPr wrap="square" rtlCol="0">
+            <a:spAutoFit/>
+          </a:bodyPr>
+          <a:lstStyle/>
+          <a:p>
+            <a:r>
+              <a:rPr lang="en-US" sz="2000" dirty="0">
+                <a:latin typeface="Lato" panose="020B0604020202020204" charset="0"/>
+              </a:rPr>
+              <a:t>GitHub: </a:t>
+            </a:r>
+            <a:r>
+              <a:rPr lang="en-US" sz="2000" dirty="0" err="1">
+                <a:latin typeface="Lato" panose="020B0604020202020204" charset="0"/>
+                <a:hlinkClick r:id="rId2"/>
+              </a:rPr>
+              <a:t>Coding_Team</a:t>
+            </a:r>
+            <a:endParaRPr lang="en-IN" sz="2000" dirty="0">
+              <a:latin typeface="Lato" panose="020B0604020202020204" charset="0"/>
+            </a:endParaRPr>
+          </a:p>
+        </p:txBody>
+      </p:sp>
+    </p:spTree>
+    <p:extLst>
+      <p:ext uri="{BB962C8B-B14F-4D97-AF65-F5344CB8AC3E}">
+        <p14:creationId xmlns:p14="http://schemas.microsoft.com/office/powerpoint/2010/main" val="765332870"/>
+      </p:ext>
+    </p:extLst>
+  </p:cSld>
+  <p:clrMapOvr>
+    <a:masterClrMapping/>
+  </p:clrMapOvr>
+</p:sld>
+</file>
+
+<file path=ppt/slides/slide16.xml><?xml version="1.0" encoding="utf-8"?>
 <p:sld xmlns:a="http://schemas.openxmlformats.org/drawingml/2006/main" xmlns:r="http://schemas.openxmlformats.org/officeDocument/2006/relationships" xmlns:p="http://schemas.openxmlformats.org/presentationml/2006/main">
   <p:cSld>
     <p:spTree>
@@ -10495,7 +10956,7 @@
   <p:cSld>
     <p:spTree>
       <p:nvGrpSpPr>
-        <p:cNvPr id="1" name="Shape 145"/>
+        <p:cNvPr id="1" name=""/>
         <p:cNvGrpSpPr/>
         <p:nvPr/>
       </p:nvGrpSpPr>
@@ -10509,8 +10970,14 @@
       </p:grpSpPr>
       <p:sp>
         <p:nvSpPr>
-          <p:cNvPr id="146" name="Google Shape;146;p23"/>
-          <p:cNvSpPr txBox="1">
+          <p:cNvPr id="2" name="Title 1">
+            <a:extLst>
+              <a:ext uri="{FF2B5EF4-FFF2-40B4-BE49-F238E27FC236}">
+                <a16:creationId xmlns:a16="http://schemas.microsoft.com/office/drawing/2014/main" id="{80163F20-410F-41F8-9A8C-44DFAA70EE93}"/>
+              </a:ext>
+            </a:extLst>
+          </p:cNvPr>
+          <p:cNvSpPr>
             <a:spLocks noGrp="1"/>
           </p:cNvSpPr>
           <p:nvPr>
@@ -10519,96 +10986,59 @@
         </p:nvSpPr>
         <p:spPr>
           <a:xfrm>
-            <a:off x="729450" y="535925"/>
+            <a:off x="727650" y="535925"/>
             <a:ext cx="7688700" cy="535200"/>
+          </a:xfrm>
+        </p:spPr>
+        <p:txBody>
+          <a:bodyPr>
+            <a:normAutofit fontScale="90000"/>
+          </a:bodyPr>
+          <a:lstStyle/>
+          <a:p>
+            <a:r>
+              <a:rPr lang="en-IN" dirty="0"/>
+              <a:t>Home Page</a:t>
+            </a:r>
+          </a:p>
+        </p:txBody>
+      </p:sp>
+      <p:pic>
+        <p:nvPicPr>
+          <p:cNvPr id="11" name="Picture 10">
+            <a:extLst>
+              <a:ext uri="{FF2B5EF4-FFF2-40B4-BE49-F238E27FC236}">
+                <a16:creationId xmlns:a16="http://schemas.microsoft.com/office/drawing/2014/main" id="{C5B04951-6D42-400C-B89D-3AE09F636EFF}"/>
+              </a:ext>
+            </a:extLst>
+          </p:cNvPr>
+          <p:cNvPicPr>
+            <a:picLocks noChangeAspect="1"/>
+          </p:cNvPicPr>
+          <p:nvPr/>
+        </p:nvPicPr>
+        <p:blipFill>
+          <a:blip r:embed="rId2"/>
+          <a:stretch>
+            <a:fillRect/>
+          </a:stretch>
+        </p:blipFill>
+        <p:spPr>
+          <a:xfrm>
+            <a:off x="2101872" y="1297171"/>
+            <a:ext cx="4940255" cy="3697472"/>
           </a:xfrm>
           <a:prstGeom prst="rect">
             <a:avLst/>
           </a:prstGeom>
         </p:spPr>
-        <p:txBody>
-          <a:bodyPr spcFirstLastPara="1" wrap="square" lIns="91425" tIns="91425" rIns="91425" bIns="91425" anchor="t" anchorCtr="0">
-            <a:normAutofit fontScale="90000"/>
-          </a:bodyPr>
-          <a:lstStyle/>
-          <a:p>
-            <a:pPr marL="0" lvl="0" indent="0" algn="l" rtl="0">
-              <a:spcBef>
-                <a:spcPts val="0"/>
-              </a:spcBef>
-              <a:spcAft>
-                <a:spcPts val="0"/>
-              </a:spcAft>
-              <a:buNone/>
-            </a:pPr>
-            <a:r>
-              <a:rPr lang="en-GB" dirty="0"/>
-              <a:t>Unique Selling Point, vision  </a:t>
-            </a:r>
-            <a:endParaRPr dirty="0"/>
-          </a:p>
-        </p:txBody>
-      </p:sp>
-      <p:sp>
-        <p:nvSpPr>
-          <p:cNvPr id="147" name="Google Shape;147;p23"/>
-          <p:cNvSpPr txBox="1">
-            <a:spLocks noGrp="1"/>
-          </p:cNvSpPr>
-          <p:nvPr>
-            <p:ph type="body" idx="1"/>
-          </p:nvPr>
-        </p:nvSpPr>
-        <p:spPr>
-          <a:xfrm>
-            <a:off x="729450" y="1441200"/>
-            <a:ext cx="7688700" cy="2261100"/>
-          </a:xfrm>
-          <a:prstGeom prst="rect">
-            <a:avLst/>
-          </a:prstGeom>
-        </p:spPr>
-        <p:txBody>
-          <a:bodyPr spcFirstLastPara="1" wrap="square" lIns="91425" tIns="91425" rIns="91425" bIns="91425" anchor="t" anchorCtr="0">
-            <a:normAutofit/>
-          </a:bodyPr>
-          <a:lstStyle/>
-          <a:p>
-            <a:pPr marL="285750" indent="-285750"/>
-            <a:r>
-              <a:rPr lang="en-GB" sz="1800" dirty="0"/>
-              <a:t>Made in India.</a:t>
-            </a:r>
-          </a:p>
-          <a:p>
-            <a:pPr marL="285750" indent="-285750"/>
-            <a:r>
-              <a:rPr lang="en-GB" sz="1800" dirty="0"/>
-              <a:t>Chat system between reader and seller as per their requirement.</a:t>
-            </a:r>
-          </a:p>
-          <a:p>
-            <a:pPr marL="285750" indent="-285750"/>
-            <a:r>
-              <a:rPr lang="en-GB" sz="1800" dirty="0"/>
-              <a:t>Inter-students hubs to deliver books not only from students but also creating chain between colleges and college students  to save time in searching and filtering recommendations.</a:t>
-            </a:r>
-            <a:endParaRPr sz="1800" dirty="0"/>
-          </a:p>
-          <a:p>
-            <a:pPr marL="285750" indent="-285750">
-              <a:spcBef>
-                <a:spcPts val="1200"/>
-              </a:spcBef>
-              <a:spcAft>
-                <a:spcPts val="1200"/>
-              </a:spcAft>
-            </a:pPr>
-            <a:endParaRPr sz="1800" dirty="0"/>
-          </a:p>
-        </p:txBody>
-      </p:sp>
+      </p:pic>
     </p:spTree>
+    <p:extLst>
+      <p:ext uri="{BB962C8B-B14F-4D97-AF65-F5344CB8AC3E}">
+        <p14:creationId xmlns:p14="http://schemas.microsoft.com/office/powerpoint/2010/main" val="2010958868"/>
+      </p:ext>
+    </p:extLst>
   </p:cSld>
   <p:clrMapOvr>
     <a:masterClrMapping/>
